--- a/tests/var/testOpenTBS.pptx
+++ b/tests/var/testOpenTBS.pptx
@@ -6,6 +6,7 @@
   </p:sldMasterIdLst>
   <p:sldIdLst>
     <p:sldId id="256" r:id="rId3"/>
+    <p:sldId id="257" r:id="rId4"/>
   </p:sldIdLst>
   <p:sldSz cx="10080625" cy="5670550"/>
   <p:notesSz cx="7559675" cy="10691812"/>
@@ -1429,7 +1430,13 @@
               <a:rPr b="0" lang="fr-FR" sz="4400" spc="-1" strike="noStrike">
                 <a:latin typeface="Arial"/>
               </a:rPr>
-              <a:t>Cliquez pour éditer le format du texte-titre</a:t>
+              <a:t>Cliquez pour éditer le format du </a:t>
+            </a:r>
+            <a:r>
+              <a:rPr b="0" lang="fr-FR" sz="4400" spc="-1" strike="noStrike">
+                <a:latin typeface="Arial"/>
+              </a:rPr>
+              <a:t>texte-titre</a:t>
             </a:r>
             <a:endParaRPr b="0" lang="fr-FR" sz="4400" spc="-1" strike="noStrike">
               <a:latin typeface="Arial"/>
@@ -1662,7 +1669,7 @@
         <p:spPr>
           <a:xfrm>
             <a:off x="504000" y="29160"/>
-            <a:ext cx="9065880" cy="1339920"/>
+            <a:ext cx="9064800" cy="1339920"/>
           </a:xfrm>
           <a:prstGeom prst="rect">
             <a:avLst/>
@@ -1718,7 +1725,7 @@
         <p:spPr>
           <a:xfrm>
             <a:off x="1728000" y="1099440"/>
-            <a:ext cx="4768200" cy="3574800"/>
+            <a:ext cx="4767120" cy="3573720"/>
           </a:xfrm>
           <a:prstGeom prst="rect">
             <a:avLst/>
@@ -1737,7 +1744,7 @@
         <p:spPr>
           <a:xfrm>
             <a:off x="1008000" y="4968000"/>
-            <a:ext cx="5970960" cy="359280"/>
+            <a:ext cx="5969880" cy="358200"/>
           </a:xfrm>
           <a:prstGeom prst="rect">
             <a:avLst/>
@@ -1763,7 +1770,7 @@
         <p:spPr>
           <a:xfrm>
             <a:off x="1152000" y="5040000"/>
-            <a:ext cx="4751280" cy="363960"/>
+            <a:ext cx="4750200" cy="363960"/>
           </a:xfrm>
           <a:prstGeom prst="rect">
             <a:avLst/>
@@ -1799,6 +1806,97 @@
               </a:rPr>
               <a:t>[onshow.textreplace]</a:t>
             </a:r>
+            <a:endParaRPr b="0" lang="fr-FR" sz="1800" spc="-1" strike="noStrike">
+              <a:latin typeface="Arial"/>
+            </a:endParaRPr>
+          </a:p>
+        </p:txBody>
+      </p:sp>
+    </p:spTree>
+  </p:cSld>
+  <mc:AlternateContent>
+    <mc:Choice Requires="p14">
+      <p:transition spd="slow" p14:dur="2000"/>
+    </mc:Choice>
+    <mc:Fallback>
+      <p:transition spd="slow"/>
+    </mc:Fallback>
+  </mc:AlternateContent>
+</p:sld>
+</file>
+
+<file path=ppt/slides/slide2.xml><?xml version="1.0" encoding="utf-8"?>
+<p:sld xmlns:a="http://schemas.openxmlformats.org/drawingml/2006/main" xmlns:p="http://schemas.openxmlformats.org/presentationml/2006/main" xmlns:r="http://schemas.openxmlformats.org/officeDocument/2006/relationships" xmlns:p14="http://schemas.microsoft.com/office/powerpoint/2010/main" xmlns:p15="http://schemas.microsoft.com/office/powerpoint/2012/main" xmlns:mc="http://schemas.openxmlformats.org/markup-compatibility/2006">
+  <p:cSld>
+    <p:spTree>
+      <p:nvGrpSpPr>
+        <p:cNvPr id="1" name=""/>
+        <p:cNvGrpSpPr/>
+        <p:nvPr/>
+      </p:nvGrpSpPr>
+      <p:grpSpPr>
+        <a:xfrm>
+          <a:off x="0" y="0"/>
+          <a:ext cx="0" cy="0"/>
+          <a:chOff x="0" y="0"/>
+          <a:chExt cx="0" cy="0"/>
+        </a:xfrm>
+      </p:grpSpPr>
+      <p:sp>
+        <p:nvSpPr>
+          <p:cNvPr id="42" name="CustomShape 1"/>
+          <p:cNvSpPr/>
+          <p:nvPr/>
+        </p:nvSpPr>
+        <p:spPr>
+          <a:xfrm>
+            <a:off x="864000" y="576000"/>
+            <a:ext cx="3167280" cy="638280"/>
+          </a:xfrm>
+          <a:prstGeom prst="rect">
+            <a:avLst/>
+          </a:prstGeom>
+          <a:noFill/>
+          <a:ln>
+            <a:noFill/>
+          </a:ln>
+        </p:spPr>
+        <p:style>
+          <a:lnRef idx="0"/>
+          <a:fillRef idx="0"/>
+          <a:effectRef idx="0"/>
+          <a:fontRef idx="minor"/>
+        </p:style>
+        <p:txBody>
+          <a:bodyPr lIns="90000" rIns="90000" tIns="45000" bIns="45000">
+            <a:spAutoFit/>
+          </a:bodyPr>
+          <a:p>
+            <a:pPr>
+              <a:lnSpc>
+                <a:spcPct val="100000"/>
+              </a:lnSpc>
+            </a:pPr>
+            <a:r>
+              <a:rPr b="0" lang="fr-FR" sz="1800" spc="-1" strike="noStrike">
+                <a:solidFill>
+                  <a:srgbClr val="000000"/>
+                </a:solidFill>
+                <a:latin typeface="Arial"/>
+                <a:ea typeface="DejaVu Sans"/>
+              </a:rPr>
+              <a:t>[onshow.textreplace2]</a:t>
+            </a:r>
+            <a:endParaRPr b="0" lang="fr-FR" sz="1800" spc="-1" strike="noStrike">
+              <a:latin typeface="Arial"/>
+            </a:endParaRPr>
+          </a:p>
+          <a:p>
+            <a:pPr>
+              <a:lnSpc>
+                <a:spcPct val="100000"/>
+              </a:lnSpc>
+            </a:pPr>
             <a:endParaRPr b="0" lang="fr-FR" sz="1800" spc="-1" strike="noStrike">
               <a:latin typeface="Arial"/>
             </a:endParaRPr>

--- a/tests/var/testOpenTBS.pptx
+++ b/tests/var/testOpenTBS.pptx
@@ -1430,13 +1430,7 @@
               <a:rPr b="0" lang="fr-FR" sz="4400" spc="-1" strike="noStrike">
                 <a:latin typeface="Arial"/>
               </a:rPr>
-              <a:t>Cliquez pour éditer le format du </a:t>
-            </a:r>
-            <a:r>
-              <a:rPr b="0" lang="fr-FR" sz="4400" spc="-1" strike="noStrike">
-                <a:latin typeface="Arial"/>
-              </a:rPr>
-              <a:t>texte-titre</a:t>
+              <a:t>Cliquez pour éditer le format du texte-titre</a:t>
             </a:r>
             <a:endParaRPr b="0" lang="fr-FR" sz="4400" spc="-1" strike="noStrike">
               <a:latin typeface="Arial"/>
@@ -1669,7 +1663,7 @@
         <p:spPr>
           <a:xfrm>
             <a:off x="504000" y="29160"/>
-            <a:ext cx="9064800" cy="1339920"/>
+            <a:ext cx="9064080" cy="1339920"/>
           </a:xfrm>
           <a:prstGeom prst="rect">
             <a:avLst/>
@@ -1712,39 +1706,16 @@
           </a:p>
         </p:txBody>
       </p:sp>
-      <p:pic>
-        <p:nvPicPr>
-          <p:cNvPr id="39" name="" descr="[onshow.pic2;ope=changepic;tagpos=inside;unique]"/>
-          <p:cNvPicPr/>
-          <p:nvPr/>
-        </p:nvPicPr>
-        <p:blipFill>
-          <a:blip r:embed="rId1"/>
-          <a:stretch/>
-        </p:blipFill>
-        <p:spPr>
-          <a:xfrm>
-            <a:off x="1728000" y="1099440"/>
-            <a:ext cx="4767120" cy="3573720"/>
-          </a:xfrm>
-          <a:prstGeom prst="rect">
-            <a:avLst/>
-          </a:prstGeom>
-          <a:ln>
-            <a:noFill/>
-          </a:ln>
-        </p:spPr>
-      </p:pic>
-      <p:sp>
-        <p:nvSpPr>
-          <p:cNvPr id="40" name="CustomShape 2"/>
+      <p:sp>
+        <p:nvSpPr>
+          <p:cNvPr id="39" name="CustomShape 2"/>
           <p:cNvSpPr/>
           <p:nvPr/>
         </p:nvSpPr>
         <p:spPr>
           <a:xfrm>
             <a:off x="1008000" y="4968000"/>
-            <a:ext cx="5969880" cy="358200"/>
+            <a:ext cx="5969160" cy="357480"/>
           </a:xfrm>
           <a:prstGeom prst="rect">
             <a:avLst/>
@@ -1760,57 +1731,6 @@
           <a:effectRef idx="0"/>
           <a:fontRef idx="minor"/>
         </p:style>
-      </p:sp>
-      <p:sp>
-        <p:nvSpPr>
-          <p:cNvPr id="41" name="CustomShape 3"/>
-          <p:cNvSpPr/>
-          <p:nvPr/>
-        </p:nvSpPr>
-        <p:spPr>
-          <a:xfrm>
-            <a:off x="1152000" y="5040000"/>
-            <a:ext cx="4750200" cy="363960"/>
-          </a:xfrm>
-          <a:prstGeom prst="rect">
-            <a:avLst/>
-          </a:prstGeom>
-          <a:noFill/>
-          <a:ln>
-            <a:noFill/>
-          </a:ln>
-        </p:spPr>
-        <p:style>
-          <a:lnRef idx="0"/>
-          <a:fillRef idx="0"/>
-          <a:effectRef idx="0"/>
-          <a:fontRef idx="minor"/>
-        </p:style>
-        <p:txBody>
-          <a:bodyPr lIns="90000" rIns="90000" tIns="45000" bIns="45000">
-            <a:spAutoFit/>
-          </a:bodyPr>
-          <a:p>
-            <a:pPr>
-              <a:lnSpc>
-                <a:spcPct val="100000"/>
-              </a:lnSpc>
-            </a:pPr>
-            <a:r>
-              <a:rPr b="0" lang="fr-FR" sz="1800" spc="-1" strike="noStrike">
-                <a:solidFill>
-                  <a:srgbClr val="000000"/>
-                </a:solidFill>
-                <a:latin typeface="Arial"/>
-                <a:ea typeface="DejaVu Sans"/>
-              </a:rPr>
-              <a:t>[onshow.textreplace]</a:t>
-            </a:r>
-            <a:endParaRPr b="0" lang="fr-FR" sz="1800" spc="-1" strike="noStrike">
-              <a:latin typeface="Arial"/>
-            </a:endParaRPr>
-          </a:p>
-        </p:txBody>
       </p:sp>
     </p:spTree>
   </p:cSld>
@@ -1842,67 +1762,6 @@
           <a:chExt cx="0" cy="0"/>
         </a:xfrm>
       </p:grpSpPr>
-      <p:sp>
-        <p:nvSpPr>
-          <p:cNvPr id="42" name="CustomShape 1"/>
-          <p:cNvSpPr/>
-          <p:nvPr/>
-        </p:nvSpPr>
-        <p:spPr>
-          <a:xfrm>
-            <a:off x="864000" y="576000"/>
-            <a:ext cx="3167280" cy="638280"/>
-          </a:xfrm>
-          <a:prstGeom prst="rect">
-            <a:avLst/>
-          </a:prstGeom>
-          <a:noFill/>
-          <a:ln>
-            <a:noFill/>
-          </a:ln>
-        </p:spPr>
-        <p:style>
-          <a:lnRef idx="0"/>
-          <a:fillRef idx="0"/>
-          <a:effectRef idx="0"/>
-          <a:fontRef idx="minor"/>
-        </p:style>
-        <p:txBody>
-          <a:bodyPr lIns="90000" rIns="90000" tIns="45000" bIns="45000">
-            <a:spAutoFit/>
-          </a:bodyPr>
-          <a:p>
-            <a:pPr>
-              <a:lnSpc>
-                <a:spcPct val="100000"/>
-              </a:lnSpc>
-            </a:pPr>
-            <a:r>
-              <a:rPr b="0" lang="fr-FR" sz="1800" spc="-1" strike="noStrike">
-                <a:solidFill>
-                  <a:srgbClr val="000000"/>
-                </a:solidFill>
-                <a:latin typeface="Arial"/>
-                <a:ea typeface="DejaVu Sans"/>
-              </a:rPr>
-              <a:t>[onshow.textreplace2]</a:t>
-            </a:r>
-            <a:endParaRPr b="0" lang="fr-FR" sz="1800" spc="-1" strike="noStrike">
-              <a:latin typeface="Arial"/>
-            </a:endParaRPr>
-          </a:p>
-          <a:p>
-            <a:pPr>
-              <a:lnSpc>
-                <a:spcPct val="100000"/>
-              </a:lnSpc>
-            </a:pPr>
-            <a:endParaRPr b="0" lang="fr-FR" sz="1800" spc="-1" strike="noStrike">
-              <a:latin typeface="Arial"/>
-            </a:endParaRPr>
-          </a:p>
-        </p:txBody>
-      </p:sp>
     </p:spTree>
   </p:cSld>
   <mc:AlternateContent>
